--- a/presentation/Crowd_simulation_sv.pptx
+++ b/presentation/Crowd_simulation_sv.pptx
@@ -3347,7 +3347,7 @@
           <a:p>
             <a:pPr/>
             <a:r>
-              <a:t>Making of user interface, that is simple, intuitive and complex enough, so users are able to run simple simulations in it</a:t>
+              <a:t>Making user interface, that is simple, intuitive and complex enough, so users are able to run simulations in it</a:t>
             </a:r>
           </a:p>
           <a:p>
@@ -3410,7 +3410,7 @@
       </p:sp>
       <p:sp>
         <p:nvSpPr>
-          <p:cNvPr id="123" name="Modelling people behaviour…"/>
+          <p:cNvPr id="123" name="Modeling people behaviour…"/>
           <p:cNvSpPr txBox="1"/>
           <p:nvPr>
             <p:ph type="body" idx="1"/>
@@ -3427,13 +3427,13 @@
           <a:p>
             <a:pPr/>
             <a:r>
-              <a:t>Modelling people behaviour</a:t>
-            </a:r>
-          </a:p>
-          <a:p>
-            <a:pPr/>
-            <a:r>
-              <a:t>Modelling assailants behaviour</a:t>
+              <a:t>Modeling people behaviour</a:t>
+            </a:r>
+          </a:p>
+          <a:p>
+            <a:pPr/>
+            <a:r>
+              <a:t>Modeling assailants behaviour</a:t>
             </a:r>
           </a:p>
           <a:p>
@@ -3496,7 +3496,7 @@
       </p:sp>
       <p:sp>
         <p:nvSpPr>
-          <p:cNvPr id="126" name="Category 1 (pedestrians are unaware of influence of assailants)…"/>
+          <p:cNvPr id="126" name="Category 1 (Pedestrians are unaware of influence of assailants)…"/>
           <p:cNvSpPr txBox="1"/>
           <p:nvPr>
             <p:ph type="body" idx="1"/>
@@ -3513,7 +3513,7 @@
           <a:p>
             <a:pPr/>
             <a:r>
-              <a:t>Category 1 (pedestrians are unaware of influence of assailants)</a:t>
+              <a:t>Category 1 (Pedestrians are unaware of influence of assailants)</a:t>
             </a:r>
           </a:p>
           <a:p>
@@ -3586,7 +3586,7 @@
       </p:sp>
       <p:sp>
         <p:nvSpPr>
-          <p:cNvPr id="129" name="Makes pedestrians and assailants avoid front obstacles, when obstacles are close to them"/>
+          <p:cNvPr id="129" name="Helps pedestrians and assailants avoid front obstacles"/>
           <p:cNvSpPr txBox="1"/>
           <p:nvPr>
             <p:ph type="body" sz="half" idx="1"/>
@@ -3607,7 +3607,7 @@
           <a:p>
             <a:pPr/>
             <a:r>
-              <a:t>Makes pedestrians and assailants avoid front obstacles, when obstacles are close to them</a:t>
+              <a:t>Helps pedestrians and assailants avoid front obstacles</a:t>
             </a:r>
           </a:p>
         </p:txBody>
@@ -3784,7 +3784,7 @@
       </p:sp>
       <p:sp>
         <p:nvSpPr>
-          <p:cNvPr id="136" name="- Path searching behaviour consists of collision risk with other pedestrians and impact of other obstacles in room"/>
+          <p:cNvPr id="136" name="- Path searching behaviour consists of collision risk with other pedestrians and impact of obstacles in front of current pedestrian"/>
           <p:cNvSpPr txBox="1"/>
           <p:nvPr>
             <p:ph type="body" sz="quarter" idx="1"/>
@@ -3808,7 +3808,7 @@
           <a:p>
             <a:pPr/>
             <a:r>
-              <a:t>- Path searching behaviour consists of collision risk with other pedestrians and impact of other obstacles in room</a:t>
+              <a:t>- Path searching behaviour consists of collision risk with other pedestrians and impact of obstacles in front of current pedestrian</a:t>
             </a:r>
           </a:p>
         </p:txBody>
@@ -4067,7 +4067,7 @@
           <a:p>
             <a:pPr/>
             <a:r>
-              <a:t>Methods puts importance to each method according to the distance of person to it's goal, distance to the nearest obstacle in front of current person and movement of other people directly in front of current person.</a:t>
+              <a:t>Method puts importance to each method according to the distance of person to it's goal, distance to the nearest obstacle in front of current person and movement of other people directly in front of current person.</a:t>
             </a:r>
           </a:p>
         </p:txBody>

--- a/presentation/Crowd_simulation_sv.pptx
+++ b/presentation/Crowd_simulation_sv.pptx
@@ -21,6 +21,7 @@
     <p:sldId id="266" r:id="rId18"/>
     <p:sldId id="267" r:id="rId19"/>
     <p:sldId id="268" r:id="rId20"/>
+    <p:sldId id="269" r:id="rId21"/>
   </p:sldIdLst>
   <p:sldSz cx="24384000" cy="13716000"/>
   <p:notesSz cx="6858000" cy="9144000"/>
@@ -3182,7 +3183,7 @@
         <p:spPr>
           <a:xfrm>
             <a:off x="5518150" y="3816535"/>
-            <a:ext cx="13360401" cy="9258301"/>
+            <a:ext cx="13360400" cy="9258301"/>
           </a:xfrm>
           <a:prstGeom prst="rect">
             <a:avLst/>
@@ -3220,7 +3221,7 @@
       </p:grpSpPr>
       <p:sp>
         <p:nvSpPr>
-          <p:cNvPr id="156" name="Overview"/>
+          <p:cNvPr id="156" name="Results"/>
           <p:cNvSpPr txBox="1"/>
           <p:nvPr>
             <p:ph type="title"/>
@@ -3237,41 +3238,69 @@
           <a:p>
             <a:pPr/>
             <a:r>
-              <a:t>Overview</a:t>
+              <a:t>Results</a:t>
             </a:r>
           </a:p>
         </p:txBody>
       </p:sp>
-      <p:sp>
-        <p:nvSpPr>
-          <p:cNvPr id="157" name="We think that we managed to achieve starting goal, which was to implement platform for simulating crowd evacuation in different places, which can be generated by users…"/>
-          <p:cNvSpPr txBox="1"/>
-          <p:nvPr>
-            <p:ph type="body" idx="1"/>
-          </p:nvPr>
-        </p:nvSpPr>
-        <p:spPr>
-          <a:prstGeom prst="rect">
-            <a:avLst/>
-          </a:prstGeom>
-        </p:spPr>
-        <p:txBody>
-          <a:bodyPr/>
-          <a:lstStyle/>
-          <a:p>
-            <a:pPr/>
-            <a:r>
-              <a:t>We think that we managed to achieve starting goal, which was to implement platform for simulating crowd evacuation in different places, which can be generated by users</a:t>
-            </a:r>
-          </a:p>
-          <a:p>
-            <a:pPr/>
-            <a:r>
-              <a:t>If we started all over again, we would put more attention to code optimisation, because it took us a lot of time in the end, to optimise everything, so everything can run in real time</a:t>
-            </a:r>
-          </a:p>
-        </p:txBody>
-      </p:sp>
+      <p:pic>
+        <p:nvPicPr>
+          <p:cNvPr id="157" name="hallway_evacuation_procent.png" descr="hallway_evacuation_procent.png"/>
+          <p:cNvPicPr>
+            <a:picLocks noChangeAspect="1"/>
+          </p:cNvPicPr>
+          <p:nvPr/>
+        </p:nvPicPr>
+        <p:blipFill>
+          <a:blip r:embed="rId2">
+            <a:extLst/>
+          </a:blip>
+          <a:stretch>
+            <a:fillRect/>
+          </a:stretch>
+        </p:blipFill>
+        <p:spPr>
+          <a:xfrm>
+            <a:off x="645108" y="3947750"/>
+            <a:ext cx="10978000" cy="8233500"/>
+          </a:xfrm>
+          <a:prstGeom prst="rect">
+            <a:avLst/>
+          </a:prstGeom>
+          <a:ln w="12700">
+            <a:miter lim="400000"/>
+          </a:ln>
+        </p:spPr>
+      </p:pic>
+      <p:pic>
+        <p:nvPicPr>
+          <p:cNvPr id="158" name="room_evacuation_procent.png" descr="room_evacuation_procent.png"/>
+          <p:cNvPicPr>
+            <a:picLocks noChangeAspect="1"/>
+          </p:cNvPicPr>
+          <p:nvPr/>
+        </p:nvPicPr>
+        <p:blipFill>
+          <a:blip r:embed="rId3">
+            <a:extLst/>
+          </a:blip>
+          <a:stretch>
+            <a:fillRect/>
+          </a:stretch>
+        </p:blipFill>
+        <p:spPr>
+          <a:xfrm>
+            <a:off x="12773592" y="3947750"/>
+            <a:ext cx="10978000" cy="8233500"/>
+          </a:xfrm>
+          <a:prstGeom prst="rect">
+            <a:avLst/>
+          </a:prstGeom>
+          <a:ln w="12700">
+            <a:miter lim="400000"/>
+          </a:ln>
+        </p:spPr>
+      </p:pic>
     </p:spTree>
   </p:cSld>
   <p:clrMapOvr>
@@ -3300,7 +3329,7 @@
       </p:grpSpPr>
       <p:sp>
         <p:nvSpPr>
-          <p:cNvPr id="159" name="Challenges"/>
+          <p:cNvPr id="160" name="Overview"/>
           <p:cNvSpPr txBox="1"/>
           <p:nvPr>
             <p:ph type="title"/>
@@ -3317,14 +3346,98 @@
           <a:p>
             <a:pPr/>
             <a:r>
-              <a:t>Challenges</a:t>
+              <a:t>Overview</a:t>
             </a:r>
           </a:p>
         </p:txBody>
       </p:sp>
       <p:sp>
         <p:nvSpPr>
-          <p:cNvPr id="160" name="Picking the right parameters and values for all fuzzy logic methods…"/>
+          <p:cNvPr id="161" name="We think that we managed to achieve starting goal, which was to implement platform for simulating crowd evacuation in different places, which can be generated by users…"/>
+          <p:cNvSpPr txBox="1"/>
+          <p:nvPr>
+            <p:ph type="body" idx="1"/>
+          </p:nvPr>
+        </p:nvSpPr>
+        <p:spPr>
+          <a:prstGeom prst="rect">
+            <a:avLst/>
+          </a:prstGeom>
+        </p:spPr>
+        <p:txBody>
+          <a:bodyPr/>
+          <a:lstStyle/>
+          <a:p>
+            <a:pPr/>
+            <a:r>
+              <a:t>We think that we managed to achieve starting goal, which was to implement platform for simulating crowd evacuation in different places, which can be generated by users</a:t>
+            </a:r>
+          </a:p>
+          <a:p>
+            <a:pPr/>
+            <a:r>
+              <a:t>If we started all over again, we would put more attention to code optimisation, because it took us a lot of time in the end, to optimise everything, so everything can run in real time</a:t>
+            </a:r>
+          </a:p>
+        </p:txBody>
+      </p:sp>
+    </p:spTree>
+  </p:cSld>
+  <p:clrMapOvr>
+    <a:masterClrMapping/>
+  </p:clrMapOvr>
+  <p:transition xmlns:p14="http://schemas.microsoft.com/office/powerpoint/2010/main" spd="med" advClick="1"/>
+</p:sld>
+</file>
+
+<file path=ppt/slides/slide14.xml><?xml version="1.0" encoding="utf-8"?>
+<p:sld xmlns:a="http://schemas.openxmlformats.org/drawingml/2006/main" xmlns:r="http://schemas.openxmlformats.org/officeDocument/2006/relationships" xmlns:p="http://schemas.openxmlformats.org/presentationml/2006/main" xmlns:m="http://schemas.openxmlformats.org/officeDocument/2006/math" xmlns:a14="http://schemas.microsoft.com/office/drawing/2010/main" showMasterSp="1" showMasterPhAnim="1">
+  <p:cSld>
+    <p:spTree>
+      <p:nvGrpSpPr>
+        <p:cNvPr id="1" name=""/>
+        <p:cNvGrpSpPr/>
+        <p:nvPr/>
+      </p:nvGrpSpPr>
+      <p:grpSpPr>
+        <a:xfrm>
+          <a:off x="0" y="0"/>
+          <a:ext cx="0" cy="0"/>
+          <a:chOff x="0" y="0"/>
+          <a:chExt cx="0" cy="0"/>
+        </a:xfrm>
+      </p:grpSpPr>
+      <p:sp>
+        <p:nvSpPr>
+          <p:cNvPr id="163" name="Challenges"/>
+          <p:cNvSpPr txBox="1"/>
+          <p:nvPr>
+            <p:ph type="title"/>
+          </p:nvPr>
+        </p:nvSpPr>
+        <p:spPr>
+          <a:xfrm>
+            <a:off x="1784350" y="975476"/>
+            <a:ext cx="20815300" cy="2984501"/>
+          </a:xfrm>
+          <a:prstGeom prst="rect">
+            <a:avLst/>
+          </a:prstGeom>
+        </p:spPr>
+        <p:txBody>
+          <a:bodyPr/>
+          <a:lstStyle/>
+          <a:p>
+            <a:pPr/>
+            <a:r>
+              <a:t>Challenges</a:t>
+            </a:r>
+          </a:p>
+        </p:txBody>
+      </p:sp>
+      <p:sp>
+        <p:nvSpPr>
+          <p:cNvPr id="164" name="Picking the right parameters and values for all fuzzy logic methods…"/>
           <p:cNvSpPr txBox="1"/>
           <p:nvPr>
             <p:ph type="body" idx="1"/>
